--- a/static/table.pptx
+++ b/static/table.pptx
@@ -3109,9 +3109,26 @@
           </a:p>
         </p:txBody>
       </p:sp>
+      <p:sp>
+        <p:nvSpPr>
+          <p:cNvPr id="3" name="Content Placeholder 2"/>
+          <p:cNvSpPr>
+            <a:spLocks noGrp="1"/>
+          </p:cNvSpPr>
+          <p:nvPr>
+            <p:ph idx="1"/>
+          </p:nvPr>
+        </p:nvSpPr>
+        <p:spPr/>
+        <p:txBody>
+          <a:bodyPr/>
+          <a:lstStyle/>
+          <a:p/>
+        </p:txBody>
+      </p:sp>
       <p:graphicFrame>
         <p:nvGraphicFramePr>
-          <p:cNvPr id="3" name="Table 2"/>
+          <p:cNvPr id="4" name="Table 3"/>
           <p:cNvGraphicFramePr>
             <a:graphicFrameLocks noGrp="1"/>
           </p:cNvGraphicFramePr>
